--- a/ppt/算法讲解095【必备】博弈类问题必备内容详解-上.pptx
+++ b/ppt/算法讲解095【必备】博弈类问题必备内容详解-上.pptx
@@ -5823,7 +5823,7 @@
               </a:defRPr>
             </a:pPr>
             <a:r>
-              <a:t>测试链接 : https://www.luogu.com.cn/problem/P2197</a:t>
+              <a:t>测试链接 : https://www.luogu.com.cn/problem/P4279</a:t>
             </a:r>
           </a:p>
         </p:txBody>
